--- a/VERSION CONTROL.pptx
+++ b/VERSION CONTROL.pptx
@@ -109,6 +109,11 @@
       </a:defRPr>
     </a:lvl9pPr>
   </p:defaultTextStyle>
+  <p:extLst>
+    <p:ext uri="{EFAFB233-063F-42B5-8137-9DF3F51BA10A}">
+      <p15:sldGuideLst xmlns:p15="http://schemas.microsoft.com/office/powerpoint/2012/main"/>
+    </p:ext>
+  </p:extLst>
 </p:presentation>
 </file>
 
@@ -207,7 +212,7 @@
           <a:effectLst/>
           <a:extLst>
             <a:ext uri="{91240B29-F687-4f45-9708-019B960494DF}">
-              <a14:hiddenLine xmlns:a14="http://schemas.microsoft.com/office/drawing/2010/main" xmlns="" w="9525">
+              <a14:hiddenLine xmlns="" xmlns:a14="http://schemas.microsoft.com/office/drawing/2010/main" w="9525">
                 <a:solidFill>
                   <a:srgbClr val="000000"/>
                 </a:solidFill>
@@ -1717,7 +1722,7 @@
           <a:ln/>
           <a:extLst>
             <a:ext uri="{91240B29-F687-4f45-9708-019B960494DF}">
-              <a14:hiddenLine xmlns:a14="http://schemas.microsoft.com/office/drawing/2010/main" xmlns="" w="9525">
+              <a14:hiddenLine xmlns="" xmlns:a14="http://schemas.microsoft.com/office/drawing/2010/main" w="9525">
                 <a:solidFill>
                   <a:srgbClr val="000000"/>
                 </a:solidFill>
@@ -1989,7 +1994,7 @@
           <a:ln/>
           <a:extLst>
             <a:ext uri="{91240B29-F687-4f45-9708-019B960494DF}">
-              <a14:hiddenLine xmlns:a14="http://schemas.microsoft.com/office/drawing/2010/main" xmlns="" w="9525">
+              <a14:hiddenLine xmlns="" xmlns:a14="http://schemas.microsoft.com/office/drawing/2010/main" w="9525">
                 <a:solidFill>
                   <a:srgbClr val="000000"/>
                 </a:solidFill>
@@ -2269,7 +2274,7 @@
           <a:ln/>
           <a:extLst>
             <a:ext uri="{91240B29-F687-4f45-9708-019B960494DF}">
-              <a14:hiddenLine xmlns:a14="http://schemas.microsoft.com/office/drawing/2010/main" xmlns="" w="9525">
+              <a14:hiddenLine xmlns="" xmlns:a14="http://schemas.microsoft.com/office/drawing/2010/main" w="9525">
                 <a:solidFill>
                   <a:srgbClr val="000000"/>
                 </a:solidFill>
@@ -2889,7 +2894,7 @@
           <a:ln/>
           <a:extLst>
             <a:ext uri="{91240B29-F687-4f45-9708-019B960494DF}">
-              <a14:hiddenLine xmlns:a14="http://schemas.microsoft.com/office/drawing/2010/main" xmlns="" w="9525">
+              <a14:hiddenLine xmlns="" xmlns:a14="http://schemas.microsoft.com/office/drawing/2010/main" w="9525">
                 <a:solidFill>
                   <a:srgbClr val="000000"/>
                 </a:solidFill>
@@ -3225,7 +3230,7 @@
           <a:ln/>
           <a:extLst>
             <a:ext uri="{91240B29-F687-4f45-9708-019B960494DF}">
-              <a14:hiddenLine xmlns:a14="http://schemas.microsoft.com/office/drawing/2010/main" xmlns="" w="9525">
+              <a14:hiddenLine xmlns="" xmlns:a14="http://schemas.microsoft.com/office/drawing/2010/main" w="9525">
                 <a:solidFill>
                   <a:srgbClr val="000000"/>
                 </a:solidFill>
@@ -3699,7 +3704,7 @@
           <a:ln/>
           <a:extLst>
             <a:ext uri="{91240B29-F687-4f45-9708-019B960494DF}">
-              <a14:hiddenLine xmlns:a14="http://schemas.microsoft.com/office/drawing/2010/main" xmlns="" w="9525">
+              <a14:hiddenLine xmlns="" xmlns:a14="http://schemas.microsoft.com/office/drawing/2010/main" w="9525">
                 <a:solidFill>
                   <a:srgbClr val="000000"/>
                 </a:solidFill>
@@ -4122,7 +4127,7 @@
           <a:ln/>
           <a:extLst>
             <a:ext uri="{91240B29-F687-4f45-9708-019B960494DF}">
-              <a14:hiddenLine xmlns:a14="http://schemas.microsoft.com/office/drawing/2010/main" xmlns="" w="9525">
+              <a14:hiddenLine xmlns="" xmlns:a14="http://schemas.microsoft.com/office/drawing/2010/main" w="9525">
                 <a:solidFill>
                   <a:srgbClr val="000000"/>
                 </a:solidFill>
@@ -5531,7 +5536,7 @@
           <a:ln/>
           <a:extLst>
             <a:ext uri="{91240B29-F687-4f45-9708-019B960494DF}">
-              <a14:hiddenLine xmlns="" xmlns:a16="http://schemas.microsoft.com/office/drawing/2014/main" xmlns:a14="http://schemas.microsoft.com/office/drawing/2010/main" xmlns:p14="http://schemas.microsoft.com/office/powerpoint/2010/main" w="9525">
+              <a14:hiddenLine xmlns:p14="http://schemas.microsoft.com/office/powerpoint/2010/main" xmlns:a14="http://schemas.microsoft.com/office/drawing/2010/main" xmlns:a16="http://schemas.microsoft.com/office/drawing/2014/main" xmlns="" w="9525">
                 <a:solidFill>
                   <a:srgbClr val="000000"/>
                 </a:solidFill>
@@ -6087,7 +6092,7 @@
           <a:ln/>
           <a:extLst>
             <a:ext uri="{91240B29-F687-4f45-9708-019B960494DF}">
-              <a14:hiddenLine xmlns="" xmlns:a16="http://schemas.microsoft.com/office/drawing/2014/main" xmlns:a14="http://schemas.microsoft.com/office/drawing/2010/main" xmlns:p14="http://schemas.microsoft.com/office/powerpoint/2010/main" w="9525">
+              <a14:hiddenLine xmlns:p14="http://schemas.microsoft.com/office/powerpoint/2010/main" xmlns:a14="http://schemas.microsoft.com/office/drawing/2010/main" xmlns:a16="http://schemas.microsoft.com/office/drawing/2014/main" xmlns="" w="9525">
                 <a:solidFill>
                   <a:srgbClr val="000000"/>
                 </a:solidFill>
@@ -6643,7 +6648,7 @@
           <a:ln/>
           <a:extLst>
             <a:ext uri="{91240B29-F687-4f45-9708-019B960494DF}">
-              <a14:hiddenLine xmlns="" xmlns:a16="http://schemas.microsoft.com/office/drawing/2014/main" xmlns:a14="http://schemas.microsoft.com/office/drawing/2010/main" xmlns:p14="http://schemas.microsoft.com/office/powerpoint/2010/main" w="9525">
+              <a14:hiddenLine xmlns:p14="http://schemas.microsoft.com/office/powerpoint/2010/main" xmlns:a14="http://schemas.microsoft.com/office/drawing/2010/main" xmlns:a16="http://schemas.microsoft.com/office/drawing/2014/main" xmlns="" w="9525">
                 <a:solidFill>
                   <a:srgbClr val="000000"/>
                 </a:solidFill>
@@ -6952,7 +6957,7 @@
         </p:blipFill>
         <p:spPr>
           <a:xfrm>
-            <a:off x="5280790" y="1515504"/>
+            <a:off x="5280631" y="1515504"/>
             <a:ext cx="6267743" cy="3528345"/>
           </a:xfrm>
           <a:prstGeom prst="roundRect">
@@ -7179,7 +7184,7 @@
           <a:ln/>
           <a:extLst>
             <a:ext uri="{91240B29-F687-4f45-9708-019B960494DF}">
-              <a14:hiddenLine xmlns="" xmlns:a16="http://schemas.microsoft.com/office/drawing/2014/main" xmlns:a14="http://schemas.microsoft.com/office/drawing/2010/main" xmlns:p14="http://schemas.microsoft.com/office/powerpoint/2010/main" w="9525">
+              <a14:hiddenLine xmlns:p14="http://schemas.microsoft.com/office/powerpoint/2010/main" xmlns:a14="http://schemas.microsoft.com/office/drawing/2010/main" xmlns:a16="http://schemas.microsoft.com/office/drawing/2014/main" xmlns="" w="9525">
                 <a:solidFill>
                   <a:srgbClr val="000000"/>
                 </a:solidFill>
@@ -7689,12 +7694,9 @@
               <a:buNone/>
             </a:pPr>
             <a:r>
-              <a:rPr lang="en-US" dirty="0">
-                <a:hlinkClick r:id="rId3"/>
-              </a:rPr>
-              <a:t>https://www.youtube.com/watch?v=SWYqp7iY_Tc</a:t>
-            </a:r>
-            <a:endParaRPr lang="en-US" dirty="0"/>
+              <a:rPr lang="en-US" dirty="0"/>
+              <a:t>T. (2017, February 05). Git &amp; GitHub Crash Course For Beginners. Retrieved January 7, 2018, 	from https://www.youtube.com/watch?v=SWYqp7iY_Tc</a:t>
+            </a:r>
           </a:p>
           <a:p>
             <a:pPr marL="0" indent="0">
@@ -7702,7 +7704,7 @@
             </a:pPr>
             <a:r>
               <a:rPr lang="en-US" dirty="0"/>
-              <a:t>https://www.ntu.edu.sg/home/ehchua/programming/howto/Git_HowTo.html</a:t>
+              <a:t>How to get started with GIT and work with GIT Remote Repo. (n.d.). Retrieved January 7, 	2018, from https://www.ntu.edu.sg/home/ehchua/programming/howto/Git_HowTo.html</a:t>
             </a:r>
           </a:p>
         </p:txBody>
